--- a/sin_function/doc/sin_function.pptx
+++ b/sin_function/doc/sin_function.pptx
@@ -55,7 +55,7 @@
       </p:grpSpPr>
       <p:sp>
         <p:nvSpPr>
-          <p:cNvPr id="26" name="PlaceHolder 1"/>
+          <p:cNvPr id="23" name="PlaceHolder 1"/>
           <p:cNvSpPr>
             <a:spLocks noGrp="1"/>
           </p:cNvSpPr>
@@ -66,7 +66,7 @@
         <p:spPr>
           <a:xfrm>
             <a:off x="504000" y="301320"/>
-            <a:ext cx="9071640" cy="1262520"/>
+            <a:ext cx="9072000" cy="1262160"/>
           </a:xfrm>
           <a:prstGeom prst="rect">
             <a:avLst/>
@@ -82,7 +82,7 @@
       </p:sp>
       <p:sp>
         <p:nvSpPr>
-          <p:cNvPr id="27" name="PlaceHolder 2"/>
+          <p:cNvPr id="24" name="PlaceHolder 2"/>
           <p:cNvSpPr>
             <a:spLocks noGrp="1"/>
           </p:cNvSpPr>
@@ -92,8 +92,8 @@
         </p:nvSpPr>
         <p:spPr>
           <a:xfrm>
-            <a:off x="504000" y="1769040"/>
-            <a:ext cx="9071640" cy="2091240"/>
+            <a:off x="504000" y="1768680"/>
+            <a:ext cx="9072000" cy="2090880"/>
           </a:xfrm>
           <a:prstGeom prst="rect">
             <a:avLst/>
@@ -108,7 +108,7 @@
       </p:sp>
       <p:sp>
         <p:nvSpPr>
-          <p:cNvPr id="28" name="PlaceHolder 3"/>
+          <p:cNvPr id="25" name="PlaceHolder 3"/>
           <p:cNvSpPr>
             <a:spLocks noGrp="1"/>
           </p:cNvSpPr>
@@ -118,8 +118,8 @@
         </p:nvSpPr>
         <p:spPr>
           <a:xfrm>
-            <a:off x="504000" y="4059360"/>
-            <a:ext cx="9071640" cy="2091240"/>
+            <a:off x="504000" y="4058640"/>
+            <a:ext cx="9072000" cy="2090880"/>
           </a:xfrm>
           <a:prstGeom prst="rect">
             <a:avLst/>
@@ -156,7 +156,7 @@
       </p:grpSpPr>
       <p:sp>
         <p:nvSpPr>
-          <p:cNvPr id="29" name="PlaceHolder 1"/>
+          <p:cNvPr id="26" name="PlaceHolder 1"/>
           <p:cNvSpPr>
             <a:spLocks noGrp="1"/>
           </p:cNvSpPr>
@@ -167,7 +167,7 @@
         <p:spPr>
           <a:xfrm>
             <a:off x="504000" y="301320"/>
-            <a:ext cx="9071640" cy="1262520"/>
+            <a:ext cx="9072000" cy="1262160"/>
           </a:xfrm>
           <a:prstGeom prst="rect">
             <a:avLst/>
@@ -183,7 +183,7 @@
       </p:sp>
       <p:sp>
         <p:nvSpPr>
-          <p:cNvPr id="30" name="PlaceHolder 2"/>
+          <p:cNvPr id="27" name="PlaceHolder 2"/>
           <p:cNvSpPr>
             <a:spLocks noGrp="1"/>
           </p:cNvSpPr>
@@ -193,8 +193,8 @@
         </p:nvSpPr>
         <p:spPr>
           <a:xfrm>
-            <a:off x="504000" y="1769040"/>
-            <a:ext cx="4426920" cy="2091240"/>
+            <a:off x="504000" y="1768680"/>
+            <a:ext cx="4426920" cy="2090880"/>
           </a:xfrm>
           <a:prstGeom prst="rect">
             <a:avLst/>
@@ -209,7 +209,7 @@
       </p:sp>
       <p:sp>
         <p:nvSpPr>
-          <p:cNvPr id="31" name="PlaceHolder 3"/>
+          <p:cNvPr id="28" name="PlaceHolder 3"/>
           <p:cNvSpPr>
             <a:spLocks noGrp="1"/>
           </p:cNvSpPr>
@@ -219,8 +219,8 @@
         </p:nvSpPr>
         <p:spPr>
           <a:xfrm>
-            <a:off x="5152680" y="1769040"/>
-            <a:ext cx="4426920" cy="2091240"/>
+            <a:off x="5152680" y="1768680"/>
+            <a:ext cx="4426920" cy="2090880"/>
           </a:xfrm>
           <a:prstGeom prst="rect">
             <a:avLst/>
@@ -235,7 +235,7 @@
       </p:sp>
       <p:sp>
         <p:nvSpPr>
-          <p:cNvPr id="32" name="PlaceHolder 4"/>
+          <p:cNvPr id="29" name="PlaceHolder 4"/>
           <p:cNvSpPr>
             <a:spLocks noGrp="1"/>
           </p:cNvSpPr>
@@ -245,8 +245,8 @@
         </p:nvSpPr>
         <p:spPr>
           <a:xfrm>
-            <a:off x="5152680" y="4059360"/>
-            <a:ext cx="4426920" cy="2091240"/>
+            <a:off x="5152680" y="4058640"/>
+            <a:ext cx="4426920" cy="2090880"/>
           </a:xfrm>
           <a:prstGeom prst="rect">
             <a:avLst/>
@@ -261,7 +261,7 @@
       </p:sp>
       <p:sp>
         <p:nvSpPr>
-          <p:cNvPr id="33" name="PlaceHolder 5"/>
+          <p:cNvPr id="30" name="PlaceHolder 5"/>
           <p:cNvSpPr>
             <a:spLocks noGrp="1"/>
           </p:cNvSpPr>
@@ -271,8 +271,8 @@
         </p:nvSpPr>
         <p:spPr>
           <a:xfrm>
-            <a:off x="504000" y="4059360"/>
-            <a:ext cx="4426920" cy="2091240"/>
+            <a:off x="504000" y="4058640"/>
+            <a:ext cx="4426920" cy="2090880"/>
           </a:xfrm>
           <a:prstGeom prst="rect">
             <a:avLst/>
@@ -309,7 +309,7 @@
       </p:grpSpPr>
       <p:sp>
         <p:nvSpPr>
-          <p:cNvPr id="34" name="PlaceHolder 1"/>
+          <p:cNvPr id="31" name="PlaceHolder 1"/>
           <p:cNvSpPr>
             <a:spLocks noGrp="1"/>
           </p:cNvSpPr>
@@ -320,7 +320,7 @@
         <p:spPr>
           <a:xfrm>
             <a:off x="504000" y="301320"/>
-            <a:ext cx="9071640" cy="1262520"/>
+            <a:ext cx="9072000" cy="1262160"/>
           </a:xfrm>
           <a:prstGeom prst="rect">
             <a:avLst/>
@@ -336,7 +336,7 @@
       </p:sp>
       <p:sp>
         <p:nvSpPr>
-          <p:cNvPr id="35" name="PlaceHolder 2"/>
+          <p:cNvPr id="32" name="PlaceHolder 2"/>
           <p:cNvSpPr>
             <a:spLocks noGrp="1"/>
           </p:cNvSpPr>
@@ -346,8 +346,8 @@
         </p:nvSpPr>
         <p:spPr>
           <a:xfrm>
-            <a:off x="504000" y="1769040"/>
-            <a:ext cx="9071640" cy="4384440"/>
+            <a:off x="504000" y="1768680"/>
+            <a:ext cx="9072000" cy="4384080"/>
           </a:xfrm>
           <a:prstGeom prst="rect">
             <a:avLst/>
@@ -362,7 +362,7 @@
       </p:sp>
       <p:sp>
         <p:nvSpPr>
-          <p:cNvPr id="36" name="PlaceHolder 3"/>
+          <p:cNvPr id="33" name="PlaceHolder 3"/>
           <p:cNvSpPr>
             <a:spLocks noGrp="1"/>
           </p:cNvSpPr>
@@ -372,8 +372,8 @@
         </p:nvSpPr>
         <p:spPr>
           <a:xfrm>
-            <a:off x="504000" y="1769040"/>
-            <a:ext cx="9071640" cy="4384440"/>
+            <a:off x="504000" y="1768680"/>
+            <a:ext cx="9072000" cy="4384080"/>
           </a:xfrm>
           <a:prstGeom prst="rect">
             <a:avLst/>
@@ -388,7 +388,7 @@
       </p:sp>
       <p:pic>
         <p:nvPicPr>
-          <p:cNvPr id="37" name="" descr=""/>
+          <p:cNvPr id="34" name="" descr=""/>
           <p:cNvPicPr/>
           <p:nvPr/>
         </p:nvPicPr>
@@ -400,8 +400,8 @@
         </p:blipFill>
         <p:spPr>
           <a:xfrm>
-            <a:off x="2292120" y="1768680"/>
-            <a:ext cx="5495040" cy="4384440"/>
+            <a:off x="2292480" y="1768680"/>
+            <a:ext cx="5494680" cy="4384080"/>
           </a:xfrm>
           <a:prstGeom prst="rect">
             <a:avLst/>
@@ -413,7 +413,7 @@
       </p:pic>
       <p:pic>
         <p:nvPicPr>
-          <p:cNvPr id="38" name="" descr=""/>
+          <p:cNvPr id="35" name="" descr=""/>
           <p:cNvPicPr/>
           <p:nvPr/>
         </p:nvPicPr>
@@ -425,8 +425,8 @@
         </p:blipFill>
         <p:spPr>
           <a:xfrm>
-            <a:off x="2292120" y="1768680"/>
-            <a:ext cx="5495040" cy="4384440"/>
+            <a:off x="2292480" y="1768680"/>
+            <a:ext cx="5494680" cy="4384080"/>
           </a:xfrm>
           <a:prstGeom prst="rect">
             <a:avLst/>
@@ -460,7 +460,7 @@
       </p:grpSpPr>
       <p:sp>
         <p:nvSpPr>
-          <p:cNvPr id="5" name="PlaceHolder 1"/>
+          <p:cNvPr id="2" name="PlaceHolder 1"/>
           <p:cNvSpPr>
             <a:spLocks noGrp="1"/>
           </p:cNvSpPr>
@@ -471,7 +471,7 @@
         <p:spPr>
           <a:xfrm>
             <a:off x="504000" y="301320"/>
-            <a:ext cx="9071640" cy="1262520"/>
+            <a:ext cx="9072000" cy="1262160"/>
           </a:xfrm>
           <a:prstGeom prst="rect">
             <a:avLst/>
@@ -487,7 +487,7 @@
       </p:sp>
       <p:sp>
         <p:nvSpPr>
-          <p:cNvPr id="6" name="PlaceHolder 2"/>
+          <p:cNvPr id="3" name="PlaceHolder 2"/>
           <p:cNvSpPr>
             <a:spLocks noGrp="1"/>
           </p:cNvSpPr>
@@ -497,8 +497,8 @@
         </p:nvSpPr>
         <p:spPr>
           <a:xfrm>
-            <a:off x="504000" y="1769040"/>
-            <a:ext cx="9071640" cy="4384800"/>
+            <a:off x="504000" y="1768680"/>
+            <a:ext cx="9072000" cy="4384440"/>
           </a:xfrm>
           <a:prstGeom prst="rect">
             <a:avLst/>
@@ -536,7 +536,7 @@
       </p:grpSpPr>
       <p:sp>
         <p:nvSpPr>
-          <p:cNvPr id="7" name="PlaceHolder 1"/>
+          <p:cNvPr id="4" name="PlaceHolder 1"/>
           <p:cNvSpPr>
             <a:spLocks noGrp="1"/>
           </p:cNvSpPr>
@@ -547,7 +547,7 @@
         <p:spPr>
           <a:xfrm>
             <a:off x="504000" y="301320"/>
-            <a:ext cx="9071640" cy="1262520"/>
+            <a:ext cx="9072000" cy="1262160"/>
           </a:xfrm>
           <a:prstGeom prst="rect">
             <a:avLst/>
@@ -563,7 +563,7 @@
       </p:sp>
       <p:sp>
         <p:nvSpPr>
-          <p:cNvPr id="8" name="PlaceHolder 2"/>
+          <p:cNvPr id="5" name="PlaceHolder 2"/>
           <p:cNvSpPr>
             <a:spLocks noGrp="1"/>
           </p:cNvSpPr>
@@ -573,8 +573,8 @@
         </p:nvSpPr>
         <p:spPr>
           <a:xfrm>
-            <a:off x="504000" y="1769040"/>
-            <a:ext cx="9071640" cy="4384440"/>
+            <a:off x="504000" y="1768680"/>
+            <a:ext cx="9072000" cy="4384080"/>
           </a:xfrm>
           <a:prstGeom prst="rect">
             <a:avLst/>
@@ -611,7 +611,7 @@
       </p:grpSpPr>
       <p:sp>
         <p:nvSpPr>
-          <p:cNvPr id="9" name="PlaceHolder 1"/>
+          <p:cNvPr id="6" name="PlaceHolder 1"/>
           <p:cNvSpPr>
             <a:spLocks noGrp="1"/>
           </p:cNvSpPr>
@@ -622,7 +622,7 @@
         <p:spPr>
           <a:xfrm>
             <a:off x="504000" y="301320"/>
-            <a:ext cx="9071640" cy="1262520"/>
+            <a:ext cx="9072000" cy="1262160"/>
           </a:xfrm>
           <a:prstGeom prst="rect">
             <a:avLst/>
@@ -638,7 +638,7 @@
       </p:sp>
       <p:sp>
         <p:nvSpPr>
-          <p:cNvPr id="10" name="PlaceHolder 2"/>
+          <p:cNvPr id="7" name="PlaceHolder 2"/>
           <p:cNvSpPr>
             <a:spLocks noGrp="1"/>
           </p:cNvSpPr>
@@ -648,8 +648,8 @@
         </p:nvSpPr>
         <p:spPr>
           <a:xfrm>
-            <a:off x="504000" y="1769040"/>
-            <a:ext cx="4426920" cy="4384440"/>
+            <a:off x="504000" y="1768680"/>
+            <a:ext cx="4426920" cy="4384080"/>
           </a:xfrm>
           <a:prstGeom prst="rect">
             <a:avLst/>
@@ -664,7 +664,7 @@
       </p:sp>
       <p:sp>
         <p:nvSpPr>
-          <p:cNvPr id="11" name="PlaceHolder 3"/>
+          <p:cNvPr id="8" name="PlaceHolder 3"/>
           <p:cNvSpPr>
             <a:spLocks noGrp="1"/>
           </p:cNvSpPr>
@@ -674,8 +674,8 @@
         </p:nvSpPr>
         <p:spPr>
           <a:xfrm>
-            <a:off x="5152680" y="1769040"/>
-            <a:ext cx="4426920" cy="4384440"/>
+            <a:off x="5152680" y="1768680"/>
+            <a:ext cx="4426920" cy="4384080"/>
           </a:xfrm>
           <a:prstGeom prst="rect">
             <a:avLst/>
@@ -712,7 +712,7 @@
       </p:grpSpPr>
       <p:sp>
         <p:nvSpPr>
-          <p:cNvPr id="12" name="PlaceHolder 1"/>
+          <p:cNvPr id="9" name="PlaceHolder 1"/>
           <p:cNvSpPr>
             <a:spLocks noGrp="1"/>
           </p:cNvSpPr>
@@ -723,7 +723,7 @@
         <p:spPr>
           <a:xfrm>
             <a:off x="504000" y="301320"/>
-            <a:ext cx="9071640" cy="1262520"/>
+            <a:ext cx="9072000" cy="1262160"/>
           </a:xfrm>
           <a:prstGeom prst="rect">
             <a:avLst/>
@@ -761,7 +761,7 @@
       </p:grpSpPr>
       <p:sp>
         <p:nvSpPr>
-          <p:cNvPr id="13" name="PlaceHolder 1"/>
+          <p:cNvPr id="10" name="PlaceHolder 1"/>
           <p:cNvSpPr>
             <a:spLocks noGrp="1"/>
           </p:cNvSpPr>
@@ -772,7 +772,7 @@
         <p:spPr>
           <a:xfrm>
             <a:off x="504000" y="301320"/>
-            <a:ext cx="9071640" cy="5852160"/>
+            <a:ext cx="9072000" cy="5850720"/>
           </a:xfrm>
           <a:prstGeom prst="rect">
             <a:avLst/>
@@ -810,7 +810,7 @@
       </p:grpSpPr>
       <p:sp>
         <p:nvSpPr>
-          <p:cNvPr id="14" name="PlaceHolder 1"/>
+          <p:cNvPr id="11" name="PlaceHolder 1"/>
           <p:cNvSpPr>
             <a:spLocks noGrp="1"/>
           </p:cNvSpPr>
@@ -821,7 +821,7 @@
         <p:spPr>
           <a:xfrm>
             <a:off x="504000" y="301320"/>
-            <a:ext cx="9071640" cy="1262520"/>
+            <a:ext cx="9072000" cy="1262160"/>
           </a:xfrm>
           <a:prstGeom prst="rect">
             <a:avLst/>
@@ -837,7 +837,7 @@
       </p:sp>
       <p:sp>
         <p:nvSpPr>
-          <p:cNvPr id="15" name="PlaceHolder 2"/>
+          <p:cNvPr id="12" name="PlaceHolder 2"/>
           <p:cNvSpPr>
             <a:spLocks noGrp="1"/>
           </p:cNvSpPr>
@@ -847,8 +847,8 @@
         </p:nvSpPr>
         <p:spPr>
           <a:xfrm>
-            <a:off x="504000" y="1769040"/>
-            <a:ext cx="4426920" cy="2091240"/>
+            <a:off x="504000" y="1768680"/>
+            <a:ext cx="4426920" cy="2090880"/>
           </a:xfrm>
           <a:prstGeom prst="rect">
             <a:avLst/>
@@ -863,7 +863,7 @@
       </p:sp>
       <p:sp>
         <p:nvSpPr>
-          <p:cNvPr id="16" name="PlaceHolder 3"/>
+          <p:cNvPr id="13" name="PlaceHolder 3"/>
           <p:cNvSpPr>
             <a:spLocks noGrp="1"/>
           </p:cNvSpPr>
@@ -873,8 +873,8 @@
         </p:nvSpPr>
         <p:spPr>
           <a:xfrm>
-            <a:off x="504000" y="4059360"/>
-            <a:ext cx="4426920" cy="2091240"/>
+            <a:off x="504000" y="4058640"/>
+            <a:ext cx="4426920" cy="2090880"/>
           </a:xfrm>
           <a:prstGeom prst="rect">
             <a:avLst/>
@@ -889,7 +889,7 @@
       </p:sp>
       <p:sp>
         <p:nvSpPr>
-          <p:cNvPr id="17" name="PlaceHolder 4"/>
+          <p:cNvPr id="14" name="PlaceHolder 4"/>
           <p:cNvSpPr>
             <a:spLocks noGrp="1"/>
           </p:cNvSpPr>
@@ -899,8 +899,8 @@
         </p:nvSpPr>
         <p:spPr>
           <a:xfrm>
-            <a:off x="5152680" y="1769040"/>
-            <a:ext cx="4426920" cy="4384440"/>
+            <a:off x="5152680" y="1768680"/>
+            <a:ext cx="4426920" cy="4384080"/>
           </a:xfrm>
           <a:prstGeom prst="rect">
             <a:avLst/>
@@ -937,7 +937,7 @@
       </p:grpSpPr>
       <p:sp>
         <p:nvSpPr>
-          <p:cNvPr id="18" name="PlaceHolder 1"/>
+          <p:cNvPr id="15" name="PlaceHolder 1"/>
           <p:cNvSpPr>
             <a:spLocks noGrp="1"/>
           </p:cNvSpPr>
@@ -948,7 +948,7 @@
         <p:spPr>
           <a:xfrm>
             <a:off x="504000" y="301320"/>
-            <a:ext cx="9071640" cy="1262520"/>
+            <a:ext cx="9072000" cy="1262160"/>
           </a:xfrm>
           <a:prstGeom prst="rect">
             <a:avLst/>
@@ -964,7 +964,7 @@
       </p:sp>
       <p:sp>
         <p:nvSpPr>
-          <p:cNvPr id="19" name="PlaceHolder 2"/>
+          <p:cNvPr id="16" name="PlaceHolder 2"/>
           <p:cNvSpPr>
             <a:spLocks noGrp="1"/>
           </p:cNvSpPr>
@@ -974,8 +974,8 @@
         </p:nvSpPr>
         <p:spPr>
           <a:xfrm>
-            <a:off x="504000" y="1769040"/>
-            <a:ext cx="4426920" cy="4384440"/>
+            <a:off x="504000" y="1768680"/>
+            <a:ext cx="4426920" cy="4384080"/>
           </a:xfrm>
           <a:prstGeom prst="rect">
             <a:avLst/>
@@ -990,7 +990,7 @@
       </p:sp>
       <p:sp>
         <p:nvSpPr>
-          <p:cNvPr id="20" name="PlaceHolder 3"/>
+          <p:cNvPr id="17" name="PlaceHolder 3"/>
           <p:cNvSpPr>
             <a:spLocks noGrp="1"/>
           </p:cNvSpPr>
@@ -1000,8 +1000,8 @@
         </p:nvSpPr>
         <p:spPr>
           <a:xfrm>
-            <a:off x="5152680" y="1769040"/>
-            <a:ext cx="4426920" cy="2091240"/>
+            <a:off x="5152680" y="1768680"/>
+            <a:ext cx="4426920" cy="2090880"/>
           </a:xfrm>
           <a:prstGeom prst="rect">
             <a:avLst/>
@@ -1016,7 +1016,7 @@
       </p:sp>
       <p:sp>
         <p:nvSpPr>
-          <p:cNvPr id="21" name="PlaceHolder 4"/>
+          <p:cNvPr id="18" name="PlaceHolder 4"/>
           <p:cNvSpPr>
             <a:spLocks noGrp="1"/>
           </p:cNvSpPr>
@@ -1026,8 +1026,8 @@
         </p:nvSpPr>
         <p:spPr>
           <a:xfrm>
-            <a:off x="5152680" y="4059360"/>
-            <a:ext cx="4426920" cy="2091240"/>
+            <a:off x="5152680" y="4058640"/>
+            <a:ext cx="4426920" cy="2090880"/>
           </a:xfrm>
           <a:prstGeom prst="rect">
             <a:avLst/>
@@ -1064,7 +1064,7 @@
       </p:grpSpPr>
       <p:sp>
         <p:nvSpPr>
-          <p:cNvPr id="22" name="PlaceHolder 1"/>
+          <p:cNvPr id="19" name="PlaceHolder 1"/>
           <p:cNvSpPr>
             <a:spLocks noGrp="1"/>
           </p:cNvSpPr>
@@ -1075,7 +1075,7 @@
         <p:spPr>
           <a:xfrm>
             <a:off x="504000" y="301320"/>
-            <a:ext cx="9071640" cy="1262520"/>
+            <a:ext cx="9072000" cy="1262160"/>
           </a:xfrm>
           <a:prstGeom prst="rect">
             <a:avLst/>
@@ -1091,7 +1091,7 @@
       </p:sp>
       <p:sp>
         <p:nvSpPr>
-          <p:cNvPr id="23" name="PlaceHolder 2"/>
+          <p:cNvPr id="20" name="PlaceHolder 2"/>
           <p:cNvSpPr>
             <a:spLocks noGrp="1"/>
           </p:cNvSpPr>
@@ -1101,8 +1101,8 @@
         </p:nvSpPr>
         <p:spPr>
           <a:xfrm>
-            <a:off x="504000" y="1769040"/>
-            <a:ext cx="4426920" cy="2091240"/>
+            <a:off x="504000" y="1768680"/>
+            <a:ext cx="4426920" cy="2090880"/>
           </a:xfrm>
           <a:prstGeom prst="rect">
             <a:avLst/>
@@ -1117,7 +1117,7 @@
       </p:sp>
       <p:sp>
         <p:nvSpPr>
-          <p:cNvPr id="24" name="PlaceHolder 3"/>
+          <p:cNvPr id="21" name="PlaceHolder 3"/>
           <p:cNvSpPr>
             <a:spLocks noGrp="1"/>
           </p:cNvSpPr>
@@ -1127,8 +1127,8 @@
         </p:nvSpPr>
         <p:spPr>
           <a:xfrm>
-            <a:off x="5152680" y="1769040"/>
-            <a:ext cx="4426920" cy="2091240"/>
+            <a:off x="5152680" y="1768680"/>
+            <a:ext cx="4426920" cy="2090880"/>
           </a:xfrm>
           <a:prstGeom prst="rect">
             <a:avLst/>
@@ -1143,7 +1143,7 @@
       </p:sp>
       <p:sp>
         <p:nvSpPr>
-          <p:cNvPr id="25" name="PlaceHolder 4"/>
+          <p:cNvPr id="22" name="PlaceHolder 4"/>
           <p:cNvSpPr>
             <a:spLocks noGrp="1"/>
           </p:cNvSpPr>
@@ -1153,8 +1153,8 @@
         </p:nvSpPr>
         <p:spPr>
           <a:xfrm>
-            <a:off x="504000" y="4059360"/>
-            <a:ext cx="9071640" cy="2091240"/>
+            <a:off x="504000" y="4058640"/>
+            <a:ext cx="9072000" cy="2090880"/>
           </a:xfrm>
           <a:prstGeom prst="rect">
             <a:avLst/>
@@ -1202,7 +1202,7 @@
         <p:spPr>
           <a:xfrm>
             <a:off x="504000" y="301320"/>
-            <a:ext cx="9071640" cy="1262160"/>
+            <a:ext cx="9072000" cy="1261800"/>
           </a:xfrm>
           <a:prstGeom prst="rect">
             <a:avLst/>
@@ -1216,25 +1216,7 @@
               <a:rPr lang="en-US" sz="4400">
                 <a:latin typeface="Arial"/>
               </a:rPr>
-              <a:t>タイトルテキスト</a:t>
-            </a:r>
-            <a:r>
-              <a:rPr lang="en-US" sz="4400">
-                <a:latin typeface="Arial"/>
-              </a:rPr>
-              <a:t>の書式を編集す</a:t>
-            </a:r>
-            <a:r>
-              <a:rPr lang="en-US" sz="4400">
-                <a:latin typeface="Arial"/>
-              </a:rPr>
-              <a:t>るにはクリックし</a:t>
-            </a:r>
-            <a:r>
-              <a:rPr lang="en-US" sz="4400">
-                <a:latin typeface="Arial"/>
-              </a:rPr>
-              <a:t>ます。</a:t>
+              <a:t>タイトルテキストの書式を編集するにはクリックします。</a:t>
             </a:r>
             <a:endParaRPr/>
           </a:p>
@@ -1252,8 +1234,8 @@
         </p:nvSpPr>
         <p:spPr>
           <a:xfrm>
-            <a:off x="504000" y="1769040"/>
-            <a:ext cx="9071640" cy="4384440"/>
+            <a:off x="504000" y="1768680"/>
+            <a:ext cx="9072000" cy="4384080"/>
           </a:xfrm>
           <a:prstGeom prst="rect">
             <a:avLst/>
@@ -1393,104 +1375,6 @@
               </a:rPr>
               <a:t>レベル目のアウトライン</a:t>
             </a:r>
-            <a:endParaRPr/>
-          </a:p>
-        </p:txBody>
-      </p:sp>
-      <p:sp>
-        <p:nvSpPr>
-          <p:cNvPr id="2" name="PlaceHolder 3"/>
-          <p:cNvSpPr>
-            <a:spLocks noGrp="1"/>
-          </p:cNvSpPr>
-          <p:nvPr>
-            <p:ph type="dt"/>
-          </p:nvPr>
-        </p:nvSpPr>
-        <p:spPr>
-          <a:xfrm>
-            <a:off x="504000" y="6887160"/>
-            <a:ext cx="2348280" cy="521280"/>
-          </a:xfrm>
-          <a:prstGeom prst="rect">
-            <a:avLst/>
-          </a:prstGeom>
-        </p:spPr>
-        <p:txBody>
-          <a:bodyPr lIns="0" rIns="0" tIns="0" bIns="0"/>
-          <a:p>
-            <a:r>
-              <a:rPr lang="en-US" sz="1400">
-                <a:latin typeface="Times New Roman"/>
-              </a:rPr>
-              <a:t>&lt;日付/時刻&gt;</a:t>
-            </a:r>
-            <a:endParaRPr/>
-          </a:p>
-        </p:txBody>
-      </p:sp>
-      <p:sp>
-        <p:nvSpPr>
-          <p:cNvPr id="3" name="PlaceHolder 4"/>
-          <p:cNvSpPr>
-            <a:spLocks noGrp="1"/>
-          </p:cNvSpPr>
-          <p:nvPr>
-            <p:ph type="ftr"/>
-          </p:nvPr>
-        </p:nvSpPr>
-        <p:spPr>
-          <a:xfrm>
-            <a:off x="3447360" y="6887160"/>
-            <a:ext cx="3195000" cy="521280"/>
-          </a:xfrm>
-          <a:prstGeom prst="rect">
-            <a:avLst/>
-          </a:prstGeom>
-        </p:spPr>
-        <p:txBody>
-          <a:bodyPr lIns="0" rIns="0" tIns="0" bIns="0"/>
-          <a:p>
-            <a:pPr algn="ctr"/>
-            <a:r>
-              <a:rPr lang="en-US" sz="1400">
-                <a:latin typeface="Times New Roman"/>
-              </a:rPr>
-              <a:t>&lt;フッター&gt;</a:t>
-            </a:r>
-            <a:endParaRPr/>
-          </a:p>
-        </p:txBody>
-      </p:sp>
-      <p:sp>
-        <p:nvSpPr>
-          <p:cNvPr id="4" name="PlaceHolder 5"/>
-          <p:cNvSpPr>
-            <a:spLocks noGrp="1"/>
-          </p:cNvSpPr>
-          <p:nvPr>
-            <p:ph type="sldNum"/>
-          </p:nvPr>
-        </p:nvSpPr>
-        <p:spPr>
-          <a:xfrm>
-            <a:off x="7227360" y="6887160"/>
-            <a:ext cx="2348280" cy="521280"/>
-          </a:xfrm>
-          <a:prstGeom prst="rect">
-            <a:avLst/>
-          </a:prstGeom>
-        </p:spPr>
-        <p:txBody>
-          <a:bodyPr lIns="0" rIns="0" tIns="0" bIns="0"/>
-          <a:p>
-            <a:pPr algn="r"/>
-            <a:fld id="{E35C9888-F6B0-4FFE-9FD7-0E5F028BB249}" type="slidenum">
-              <a:rPr lang="en-US" sz="1400">
-                <a:latin typeface="Times New Roman"/>
-              </a:rPr>
-              <a:t>&lt;番号&gt;</a:t>
-            </a:fld>
             <a:endParaRPr/>
           </a:p>
         </p:txBody>
@@ -1534,18 +1418,22 @@
       </p:grpSpPr>
       <p:sp>
         <p:nvSpPr>
-          <p:cNvPr id="39" name="TextShape 1"/>
-          <p:cNvSpPr txBox="1"/>
+          <p:cNvPr id="36" name="CustomShape 1"/>
+          <p:cNvSpPr/>
           <p:nvPr/>
         </p:nvSpPr>
         <p:spPr>
           <a:xfrm>
             <a:off x="144000" y="213840"/>
-            <a:ext cx="4032000" cy="1370160"/>
-          </a:xfrm>
-          <a:prstGeom prst="rect">
-            <a:avLst/>
-          </a:prstGeom>
+            <a:ext cx="4031640" cy="1369800"/>
+          </a:xfrm>
+          <a:prstGeom prst="rect">
+            <a:avLst/>
+          </a:prstGeom>
+          <a:noFill/>
+          <a:ln>
+            <a:noFill/>
+          </a:ln>
         </p:spPr>
         <p:txBody>
           <a:bodyPr lIns="90000" rIns="90000" tIns="45000" bIns="45000"/>
@@ -1628,18 +1516,22 @@
       </p:sp>
       <p:sp>
         <p:nvSpPr>
-          <p:cNvPr id="40" name="TextShape 2"/>
-          <p:cNvSpPr txBox="1"/>
+          <p:cNvPr id="37" name="CustomShape 2"/>
+          <p:cNvSpPr/>
           <p:nvPr/>
         </p:nvSpPr>
         <p:spPr>
           <a:xfrm>
             <a:off x="1368000" y="1885680"/>
-            <a:ext cx="1791720" cy="1344240"/>
-          </a:xfrm>
-          <a:prstGeom prst="rect">
-            <a:avLst/>
-          </a:prstGeom>
+            <a:ext cx="1791360" cy="1343880"/>
+          </a:xfrm>
+          <a:prstGeom prst="rect">
+            <a:avLst/>
+          </a:prstGeom>
+          <a:noFill/>
+          <a:ln>
+            <a:noFill/>
+          </a:ln>
         </p:spPr>
         <p:txBody>
           <a:bodyPr lIns="90000" rIns="90000" tIns="45000" bIns="45000"/>
@@ -1704,7 +1596,7 @@
       </p:sp>
       <p:pic>
         <p:nvPicPr>
-          <p:cNvPr id="41" name="" descr=""/>
+          <p:cNvPr id="38" name="" descr=""/>
           <p:cNvPicPr/>
           <p:nvPr/>
         </p:nvPicPr>
@@ -1717,7 +1609,7 @@
         <p:spPr>
           <a:xfrm>
             <a:off x="4248000" y="1800000"/>
-            <a:ext cx="1695240" cy="1819080"/>
+            <a:ext cx="1694880" cy="1818720"/>
           </a:xfrm>
           <a:prstGeom prst="rect">
             <a:avLst/>
@@ -1729,18 +1621,22 @@
       </p:pic>
       <p:sp>
         <p:nvSpPr>
-          <p:cNvPr id="42" name="TextShape 3"/>
-          <p:cNvSpPr txBox="1"/>
+          <p:cNvPr id="39" name="CustomShape 3"/>
+          <p:cNvSpPr/>
           <p:nvPr/>
         </p:nvSpPr>
         <p:spPr>
           <a:xfrm>
             <a:off x="1152000" y="3240000"/>
-            <a:ext cx="2952720" cy="346320"/>
-          </a:xfrm>
-          <a:prstGeom prst="rect">
-            <a:avLst/>
-          </a:prstGeom>
+            <a:ext cx="2952360" cy="345960"/>
+          </a:xfrm>
+          <a:prstGeom prst="rect">
+            <a:avLst/>
+          </a:prstGeom>
+          <a:noFill/>
+          <a:ln>
+            <a:noFill/>
+          </a:ln>
         </p:spPr>
         <p:txBody>
           <a:bodyPr lIns="90000" rIns="90000" tIns="45000" bIns="45000"/>
@@ -1769,18 +1665,22 @@
       </p:sp>
       <p:sp>
         <p:nvSpPr>
-          <p:cNvPr id="43" name="TextShape 4"/>
-          <p:cNvSpPr txBox="1"/>
+          <p:cNvPr id="40" name="CustomShape 4"/>
+          <p:cNvSpPr/>
           <p:nvPr/>
         </p:nvSpPr>
         <p:spPr>
           <a:xfrm>
             <a:off x="1152000" y="6912000"/>
-            <a:ext cx="3812400" cy="346680"/>
-          </a:xfrm>
-          <a:prstGeom prst="rect">
-            <a:avLst/>
-          </a:prstGeom>
+            <a:ext cx="3812040" cy="346320"/>
+          </a:xfrm>
+          <a:prstGeom prst="rect">
+            <a:avLst/>
+          </a:prstGeom>
+          <a:noFill/>
+          <a:ln>
+            <a:noFill/>
+          </a:ln>
         </p:spPr>
         <p:txBody>
           <a:bodyPr lIns="90000" rIns="90000" tIns="45000" bIns="45000"/>
@@ -1797,18 +1697,22 @@
       </p:sp>
       <p:sp>
         <p:nvSpPr>
-          <p:cNvPr id="44" name="TextShape 5"/>
-          <p:cNvSpPr txBox="1"/>
+          <p:cNvPr id="41" name="CustomShape 5"/>
+          <p:cNvSpPr/>
           <p:nvPr/>
         </p:nvSpPr>
         <p:spPr>
           <a:xfrm>
             <a:off x="3816000" y="3679560"/>
-            <a:ext cx="6063480" cy="2008440"/>
-          </a:xfrm>
-          <a:prstGeom prst="rect">
-            <a:avLst/>
-          </a:prstGeom>
+            <a:ext cx="6063120" cy="2008080"/>
+          </a:xfrm>
+          <a:prstGeom prst="rect">
+            <a:avLst/>
+          </a:prstGeom>
+          <a:noFill/>
+          <a:ln>
+            <a:noFill/>
+          </a:ln>
         </p:spPr>
         <p:txBody>
           <a:bodyPr lIns="90000" rIns="90000" tIns="45000" bIns="45000"/>
@@ -1918,18 +1822,22 @@
       </p:sp>
       <p:sp>
         <p:nvSpPr>
-          <p:cNvPr id="45" name="TextShape 6"/>
-          <p:cNvSpPr txBox="1"/>
+          <p:cNvPr id="42" name="CustomShape 6"/>
+          <p:cNvSpPr/>
           <p:nvPr/>
         </p:nvSpPr>
         <p:spPr>
           <a:xfrm>
             <a:off x="346320" y="5184000"/>
-            <a:ext cx="3915720" cy="288000"/>
-          </a:xfrm>
-          <a:prstGeom prst="rect">
-            <a:avLst/>
-          </a:prstGeom>
+            <a:ext cx="3915360" cy="287640"/>
+          </a:xfrm>
+          <a:prstGeom prst="rect">
+            <a:avLst/>
+          </a:prstGeom>
+          <a:noFill/>
+          <a:ln>
+            <a:noFill/>
+          </a:ln>
         </p:spPr>
         <p:txBody>
           <a:bodyPr lIns="90000" rIns="90000" tIns="45000" bIns="45000"/>
@@ -1976,18 +1884,22 @@
       </p:sp>
       <p:sp>
         <p:nvSpPr>
-          <p:cNvPr id="46" name="TextShape 7"/>
-          <p:cNvSpPr txBox="1"/>
+          <p:cNvPr id="43" name="CustomShape 7"/>
+          <p:cNvSpPr/>
           <p:nvPr/>
         </p:nvSpPr>
         <p:spPr>
           <a:xfrm>
             <a:off x="224280" y="5616000"/>
-            <a:ext cx="7695720" cy="346680"/>
-          </a:xfrm>
-          <a:prstGeom prst="rect">
-            <a:avLst/>
-          </a:prstGeom>
+            <a:ext cx="7695360" cy="346320"/>
+          </a:xfrm>
+          <a:prstGeom prst="rect">
+            <a:avLst/>
+          </a:prstGeom>
+          <a:noFill/>
+          <a:ln>
+            <a:noFill/>
+          </a:ln>
         </p:spPr>
         <p:txBody>
           <a:bodyPr lIns="90000" rIns="90000" tIns="45000" bIns="45000"/>
@@ -2004,18 +1916,22 @@
       </p:sp>
       <p:sp>
         <p:nvSpPr>
-          <p:cNvPr id="47" name="TextShape 8"/>
-          <p:cNvSpPr txBox="1"/>
+          <p:cNvPr id="44" name="CustomShape 8"/>
+          <p:cNvSpPr/>
           <p:nvPr/>
         </p:nvSpPr>
         <p:spPr>
           <a:xfrm>
             <a:off x="216000" y="6120000"/>
-            <a:ext cx="9952560" cy="832320"/>
-          </a:xfrm>
-          <a:prstGeom prst="rect">
-            <a:avLst/>
-          </a:prstGeom>
+            <a:ext cx="9952200" cy="831960"/>
+          </a:xfrm>
+          <a:prstGeom prst="rect">
+            <a:avLst/>
+          </a:prstGeom>
+          <a:noFill/>
+          <a:ln>
+            <a:noFill/>
+          </a:ln>
         </p:spPr>
         <p:txBody>
           <a:bodyPr lIns="90000" rIns="90000" tIns="45000" bIns="45000"/>
@@ -2074,18 +1990,22 @@
       </p:sp>
       <p:sp>
         <p:nvSpPr>
-          <p:cNvPr id="48" name="TextShape 9"/>
-          <p:cNvSpPr txBox="1"/>
+          <p:cNvPr id="45" name="CustomShape 9"/>
+          <p:cNvSpPr/>
           <p:nvPr/>
         </p:nvSpPr>
         <p:spPr>
           <a:xfrm>
             <a:off x="288000" y="5901120"/>
-            <a:ext cx="1524960" cy="218880"/>
-          </a:xfrm>
-          <a:prstGeom prst="rect">
-            <a:avLst/>
-          </a:prstGeom>
+            <a:ext cx="1524600" cy="218520"/>
+          </a:xfrm>
+          <a:prstGeom prst="rect">
+            <a:avLst/>
+          </a:prstGeom>
+          <a:noFill/>
+          <a:ln>
+            <a:noFill/>
+          </a:ln>
         </p:spPr>
         <p:txBody>
           <a:bodyPr lIns="90000" rIns="90000" tIns="45000" bIns="45000"/>
@@ -2102,18 +2022,22 @@
       </p:sp>
       <p:sp>
         <p:nvSpPr>
-          <p:cNvPr id="49" name="TextShape 10"/>
-          <p:cNvSpPr txBox="1"/>
+          <p:cNvPr id="46" name="CustomShape 10"/>
+          <p:cNvSpPr/>
           <p:nvPr/>
         </p:nvSpPr>
         <p:spPr>
           <a:xfrm>
             <a:off x="216000" y="7391520"/>
-            <a:ext cx="8329320" cy="528480"/>
-          </a:xfrm>
-          <a:prstGeom prst="rect">
-            <a:avLst/>
-          </a:prstGeom>
+            <a:ext cx="8328960" cy="528120"/>
+          </a:xfrm>
+          <a:prstGeom prst="rect">
+            <a:avLst/>
+          </a:prstGeom>
+          <a:noFill/>
+          <a:ln>
+            <a:noFill/>
+          </a:ln>
         </p:spPr>
         <p:txBody>
           <a:bodyPr lIns="90000" rIns="90000" tIns="45000" bIns="45000"/>
@@ -2175,18 +2099,22 @@
       </p:sp>
       <p:sp>
         <p:nvSpPr>
-          <p:cNvPr id="50" name="TextShape 11"/>
-          <p:cNvSpPr txBox="1"/>
+          <p:cNvPr id="47" name="CustomShape 11"/>
+          <p:cNvSpPr/>
           <p:nvPr/>
         </p:nvSpPr>
         <p:spPr>
           <a:xfrm>
             <a:off x="298080" y="7717320"/>
-            <a:ext cx="5389920" cy="346680"/>
-          </a:xfrm>
-          <a:prstGeom prst="rect">
-            <a:avLst/>
-          </a:prstGeom>
+            <a:ext cx="5389560" cy="346320"/>
+          </a:xfrm>
+          <a:prstGeom prst="rect">
+            <a:avLst/>
+          </a:prstGeom>
+          <a:noFill/>
+          <a:ln>
+            <a:noFill/>
+          </a:ln>
         </p:spPr>
         <p:txBody>
           <a:bodyPr lIns="90000" rIns="90000" tIns="45000" bIns="45000"/>
@@ -2203,18 +2131,22 @@
       </p:sp>
       <p:sp>
         <p:nvSpPr>
-          <p:cNvPr id="51" name="TextShape 12"/>
-          <p:cNvSpPr txBox="1"/>
+          <p:cNvPr id="48" name="CustomShape 12"/>
+          <p:cNvSpPr/>
           <p:nvPr/>
         </p:nvSpPr>
         <p:spPr>
           <a:xfrm>
             <a:off x="322920" y="8148960"/>
-            <a:ext cx="4717080" cy="859320"/>
-          </a:xfrm>
-          <a:prstGeom prst="rect">
-            <a:avLst/>
-          </a:prstGeom>
+            <a:ext cx="4716720" cy="858960"/>
+          </a:xfrm>
+          <a:prstGeom prst="rect">
+            <a:avLst/>
+          </a:prstGeom>
+          <a:noFill/>
+          <a:ln>
+            <a:noFill/>
+          </a:ln>
         </p:spPr>
         <p:txBody>
           <a:bodyPr lIns="90000" rIns="90000" tIns="45000" bIns="45000"/>
@@ -2276,18 +2208,22 @@
       </p:sp>
       <p:sp>
         <p:nvSpPr>
-          <p:cNvPr id="52" name="TextShape 13"/>
-          <p:cNvSpPr txBox="1"/>
+          <p:cNvPr id="49" name="CustomShape 13"/>
+          <p:cNvSpPr/>
           <p:nvPr/>
         </p:nvSpPr>
         <p:spPr>
           <a:xfrm>
             <a:off x="3712680" y="8481600"/>
-            <a:ext cx="15786720" cy="1830240"/>
-          </a:xfrm>
-          <a:prstGeom prst="rect">
-            <a:avLst/>
-          </a:prstGeom>
+            <a:ext cx="15786360" cy="1829880"/>
+          </a:xfrm>
+          <a:prstGeom prst="rect">
+            <a:avLst/>
+          </a:prstGeom>
+          <a:noFill/>
+          <a:ln>
+            <a:noFill/>
+          </a:ln>
         </p:spPr>
         <p:txBody>
           <a:bodyPr lIns="90000" rIns="90000" tIns="45000" bIns="45000"/>
@@ -2430,18 +2366,22 @@
       </p:sp>
       <p:sp>
         <p:nvSpPr>
-          <p:cNvPr id="53" name="TextShape 14"/>
-          <p:cNvSpPr txBox="1"/>
+          <p:cNvPr id="50" name="CustomShape 14"/>
+          <p:cNvSpPr/>
           <p:nvPr/>
         </p:nvSpPr>
         <p:spPr>
           <a:xfrm>
             <a:off x="392400" y="9198000"/>
-            <a:ext cx="1911600" cy="234000"/>
-          </a:xfrm>
-          <a:prstGeom prst="rect">
-            <a:avLst/>
-          </a:prstGeom>
+            <a:ext cx="1911240" cy="233640"/>
+          </a:xfrm>
+          <a:prstGeom prst="rect">
+            <a:avLst/>
+          </a:prstGeom>
+          <a:noFill/>
+          <a:ln>
+            <a:noFill/>
+          </a:ln>
         </p:spPr>
         <p:txBody>
           <a:bodyPr lIns="90000" rIns="90000" tIns="45000" bIns="45000"/>
@@ -2519,18 +2459,22 @@
       </p:grpSpPr>
       <p:sp>
         <p:nvSpPr>
-          <p:cNvPr id="54" name="TextShape 1"/>
-          <p:cNvSpPr txBox="1"/>
+          <p:cNvPr id="51" name="CustomShape 1"/>
+          <p:cNvSpPr/>
           <p:nvPr/>
         </p:nvSpPr>
         <p:spPr>
           <a:xfrm>
             <a:off x="-60840" y="4680"/>
-            <a:ext cx="9996840" cy="1726200"/>
-          </a:xfrm>
-          <a:prstGeom prst="rect">
-            <a:avLst/>
-          </a:prstGeom>
+            <a:ext cx="9996480" cy="1725840"/>
+          </a:xfrm>
+          <a:prstGeom prst="rect">
+            <a:avLst/>
+          </a:prstGeom>
+          <a:noFill/>
+          <a:ln>
+            <a:noFill/>
+          </a:ln>
         </p:spPr>
         <p:txBody>
           <a:bodyPr lIns="90000" rIns="90000" tIns="45000" bIns="45000"/>
@@ -2658,18 +2602,22 @@
       </p:sp>
       <p:sp>
         <p:nvSpPr>
-          <p:cNvPr id="55" name="TextShape 2"/>
-          <p:cNvSpPr txBox="1"/>
+          <p:cNvPr id="52" name="CustomShape 2"/>
+          <p:cNvSpPr/>
           <p:nvPr/>
         </p:nvSpPr>
         <p:spPr>
           <a:xfrm>
             <a:off x="0" y="1872000"/>
-            <a:ext cx="3096000" cy="294840"/>
-          </a:xfrm>
-          <a:prstGeom prst="rect">
-            <a:avLst/>
-          </a:prstGeom>
+            <a:ext cx="3095640" cy="294480"/>
+          </a:xfrm>
+          <a:prstGeom prst="rect">
+            <a:avLst/>
+          </a:prstGeom>
+          <a:noFill/>
+          <a:ln>
+            <a:noFill/>
+          </a:ln>
         </p:spPr>
         <p:txBody>
           <a:bodyPr lIns="90000" rIns="90000" tIns="45000" bIns="45000"/>
@@ -2686,18 +2634,22 @@
       </p:sp>
       <p:sp>
         <p:nvSpPr>
-          <p:cNvPr id="56" name="TextShape 3"/>
-          <p:cNvSpPr txBox="1"/>
+          <p:cNvPr id="53" name="CustomShape 3"/>
+          <p:cNvSpPr/>
           <p:nvPr/>
         </p:nvSpPr>
         <p:spPr>
           <a:xfrm>
             <a:off x="50760" y="2376000"/>
-            <a:ext cx="4557240" cy="2495160"/>
-          </a:xfrm>
-          <a:prstGeom prst="rect">
-            <a:avLst/>
-          </a:prstGeom>
+            <a:ext cx="4556880" cy="2494800"/>
+          </a:xfrm>
+          <a:prstGeom prst="rect">
+            <a:avLst/>
+          </a:prstGeom>
+          <a:noFill/>
+          <a:ln>
+            <a:noFill/>
+          </a:ln>
         </p:spPr>
         <p:txBody>
           <a:bodyPr lIns="90000" rIns="90000" tIns="45000" bIns="45000"/>
@@ -3013,18 +2965,22 @@
       </p:grpSpPr>
       <p:sp>
         <p:nvSpPr>
-          <p:cNvPr id="57" name="TextShape 1"/>
-          <p:cNvSpPr txBox="1"/>
+          <p:cNvPr id="54" name="CustomShape 1"/>
+          <p:cNvSpPr/>
           <p:nvPr/>
         </p:nvSpPr>
         <p:spPr>
           <a:xfrm>
             <a:off x="0" y="5040"/>
-            <a:ext cx="9996840" cy="3822840"/>
-          </a:xfrm>
-          <a:prstGeom prst="rect">
-            <a:avLst/>
-          </a:prstGeom>
+            <a:ext cx="9996480" cy="3822480"/>
+          </a:xfrm>
+          <a:prstGeom prst="rect">
+            <a:avLst/>
+          </a:prstGeom>
+          <a:noFill/>
+          <a:ln>
+            <a:noFill/>
+          </a:ln>
         </p:spPr>
         <p:txBody>
           <a:bodyPr lIns="90000" rIns="90000" tIns="45000" bIns="45000"/>
@@ -3186,19 +3142,31 @@
           <a:p>
             <a:r>
               <a:rPr lang="en-US" sz="1600">
-                <a:latin typeface="Monospace"/>
+                <a:solidFill>
+                  <a:srgbClr val="000000"/>
+                </a:solidFill>
+                <a:latin typeface="Monospace"/>
+                <a:ea typeface="Monospace"/>
               </a:rPr>
               <a:t>　</a:t>
             </a:r>
             <a:r>
               <a:rPr lang="en-US" sz="1600">
-                <a:latin typeface="Monospace"/>
+                <a:solidFill>
+                  <a:srgbClr val="000000"/>
+                </a:solidFill>
+                <a:latin typeface="Monospace"/>
+                <a:ea typeface="Monospace"/>
               </a:rPr>
               <a:t>-loss</a:t>
             </a:r>
             <a:r>
               <a:rPr lang="en-US" sz="1600">
-                <a:latin typeface="Monospace"/>
+                <a:solidFill>
+                  <a:srgbClr val="000000"/>
+                </a:solidFill>
+                <a:latin typeface="Monospace"/>
+                <a:ea typeface="Monospace"/>
               </a:rPr>
               <a:t>計算</a:t>
             </a:r>
@@ -3207,19 +3175,31 @@
           <a:p>
             <a:r>
               <a:rPr lang="en-US" sz="1600">
-                <a:latin typeface="Monospace"/>
+                <a:solidFill>
+                  <a:srgbClr val="000000"/>
+                </a:solidFill>
+                <a:latin typeface="Monospace"/>
+                <a:ea typeface="Monospace"/>
               </a:rPr>
               <a:t>　</a:t>
             </a:r>
             <a:r>
               <a:rPr lang="en-US" sz="1600">
-                <a:latin typeface="Monospace"/>
+                <a:solidFill>
+                  <a:srgbClr val="000000"/>
+                </a:solidFill>
+                <a:latin typeface="Monospace"/>
+                <a:ea typeface="Monospace"/>
               </a:rPr>
               <a:t>loss = model(x_batch,y_batch)</a:t>
             </a:r>
             <a:r>
               <a:rPr lang="en-US" sz="1600">
-                <a:latin typeface="Monospace"/>
+                <a:solidFill>
+                  <a:srgbClr val="000000"/>
+                </a:solidFill>
+                <a:latin typeface="Monospace"/>
+                <a:ea typeface="Monospace"/>
               </a:rPr>
               <a:t>　</a:t>
             </a:r>
@@ -3228,19 +3208,31 @@
           <a:p>
             <a:r>
               <a:rPr lang="en-US" sz="1600">
-                <a:latin typeface="Monospace"/>
+                <a:solidFill>
+                  <a:srgbClr val="000000"/>
+                </a:solidFill>
+                <a:latin typeface="Monospace"/>
+                <a:ea typeface="Monospace"/>
               </a:rPr>
               <a:t>　</a:t>
             </a:r>
             <a:r>
               <a:rPr lang="en-US" sz="1600">
-                <a:latin typeface="Monospace"/>
+                <a:solidFill>
+                  <a:srgbClr val="000000"/>
+                </a:solidFill>
+                <a:latin typeface="Monospace"/>
+                <a:ea typeface="Monospace"/>
               </a:rPr>
               <a:t>-</a:t>
             </a:r>
             <a:r>
               <a:rPr lang="en-US" sz="1600">
-                <a:latin typeface="Monospace"/>
+                <a:solidFill>
+                  <a:srgbClr val="000000"/>
+                </a:solidFill>
+                <a:latin typeface="Monospace"/>
+                <a:ea typeface="Monospace"/>
               </a:rPr>
               <a:t>勾配計算</a:t>
             </a:r>
@@ -3249,13 +3241,21 @@
           <a:p>
             <a:r>
               <a:rPr lang="en-US" sz="1600">
-                <a:latin typeface="Monospace"/>
+                <a:solidFill>
+                  <a:srgbClr val="000000"/>
+                </a:solidFill>
+                <a:latin typeface="Monospace"/>
+                <a:ea typeface="Monospace"/>
               </a:rPr>
               <a:t>　</a:t>
             </a:r>
             <a:r>
               <a:rPr lang="en-US" sz="1600">
-                <a:latin typeface="Monospace"/>
+                <a:solidFill>
+                  <a:srgbClr val="000000"/>
+                </a:solidFill>
+                <a:latin typeface="Monospace"/>
+                <a:ea typeface="Monospace"/>
               </a:rPr>
               <a:t>loss.backward()</a:t>
             </a:r>
@@ -3264,13 +3264,21 @@
           <a:p>
             <a:r>
               <a:rPr lang="en-US" sz="1600">
-                <a:latin typeface="Monospace"/>
+                <a:solidFill>
+                  <a:srgbClr val="000000"/>
+                </a:solidFill>
+                <a:latin typeface="Monospace"/>
+                <a:ea typeface="Monospace"/>
               </a:rPr>
               <a:t>  </a:t>
             </a:r>
             <a:r>
               <a:rPr lang="en-US" sz="1600">
-                <a:latin typeface="Monospace"/>
+                <a:solidFill>
+                  <a:srgbClr val="000000"/>
+                </a:solidFill>
+                <a:latin typeface="Monospace"/>
+                <a:ea typeface="Monospace"/>
               </a:rPr>
               <a:t>-loss update</a:t>
             </a:r>
@@ -3319,18 +3327,22 @@
       </p:sp>
       <p:sp>
         <p:nvSpPr>
-          <p:cNvPr id="58" name="TextShape 2"/>
-          <p:cNvSpPr txBox="1"/>
+          <p:cNvPr id="55" name="CustomShape 2"/>
+          <p:cNvSpPr/>
           <p:nvPr/>
         </p:nvSpPr>
         <p:spPr>
           <a:xfrm>
             <a:off x="4115160" y="432000"/>
-            <a:ext cx="3588840" cy="1010880"/>
-          </a:xfrm>
-          <a:prstGeom prst="rect">
-            <a:avLst/>
-          </a:prstGeom>
+            <a:ext cx="3588480" cy="1010520"/>
+          </a:xfrm>
+          <a:prstGeom prst="rect">
+            <a:avLst/>
+          </a:prstGeom>
+          <a:noFill/>
+          <a:ln>
+            <a:noFill/>
+          </a:ln>
         </p:spPr>
         <p:txBody>
           <a:bodyPr lIns="90000" rIns="90000" tIns="45000" bIns="45000"/>
